--- a/ADSP_review_poster.pptx
+++ b/ADSP_review_poster.pptx
@@ -197,7 +197,7 @@
           <a:p>
             <a:fld id="{54862F2C-DB6C-4012-9203-4A6B221FBE81}" type="datetimeFigureOut">
               <a:rPr lang="en-US" smtClean="0"/>
-              <a:t>2/26/2024</a:t>
+              <a:t>2/27/2024</a:t>
             </a:fld>
             <a:endParaRPr lang="en-US"/>
           </a:p>
@@ -679,7 +679,7 @@
           <a:p>
             <a:fld id="{0E229EAE-66CA-4BFE-9D4A-7A6AF854154E}" type="datetimeFigureOut">
               <a:rPr lang="en-US" smtClean="0"/>
-              <a:t>2/26/2024</a:t>
+              <a:t>2/27/2024</a:t>
             </a:fld>
             <a:endParaRPr lang="en-US"/>
           </a:p>
@@ -849,7 +849,7 @@
           <a:p>
             <a:fld id="{0E229EAE-66CA-4BFE-9D4A-7A6AF854154E}" type="datetimeFigureOut">
               <a:rPr lang="en-US" smtClean="0"/>
-              <a:t>2/26/2024</a:t>
+              <a:t>2/27/2024</a:t>
             </a:fld>
             <a:endParaRPr lang="en-US"/>
           </a:p>
@@ -1029,7 +1029,7 @@
           <a:p>
             <a:fld id="{0E229EAE-66CA-4BFE-9D4A-7A6AF854154E}" type="datetimeFigureOut">
               <a:rPr lang="en-US" smtClean="0"/>
-              <a:t>2/26/2024</a:t>
+              <a:t>2/27/2024</a:t>
             </a:fld>
             <a:endParaRPr lang="en-US"/>
           </a:p>
@@ -1199,7 +1199,7 @@
           <a:p>
             <a:fld id="{0E229EAE-66CA-4BFE-9D4A-7A6AF854154E}" type="datetimeFigureOut">
               <a:rPr lang="en-US" smtClean="0"/>
-              <a:t>2/26/2024</a:t>
+              <a:t>2/27/2024</a:t>
             </a:fld>
             <a:endParaRPr lang="en-US"/>
           </a:p>
@@ -1443,7 +1443,7 @@
           <a:p>
             <a:fld id="{0E229EAE-66CA-4BFE-9D4A-7A6AF854154E}" type="datetimeFigureOut">
               <a:rPr lang="en-US" smtClean="0"/>
-              <a:t>2/26/2024</a:t>
+              <a:t>2/27/2024</a:t>
             </a:fld>
             <a:endParaRPr lang="en-US"/>
           </a:p>
@@ -1675,7 +1675,7 @@
           <a:p>
             <a:fld id="{0E229EAE-66CA-4BFE-9D4A-7A6AF854154E}" type="datetimeFigureOut">
               <a:rPr lang="en-US" smtClean="0"/>
-              <a:t>2/26/2024</a:t>
+              <a:t>2/27/2024</a:t>
             </a:fld>
             <a:endParaRPr lang="en-US"/>
           </a:p>
@@ -2042,7 +2042,7 @@
           <a:p>
             <a:fld id="{0E229EAE-66CA-4BFE-9D4A-7A6AF854154E}" type="datetimeFigureOut">
               <a:rPr lang="en-US" smtClean="0"/>
-              <a:t>2/26/2024</a:t>
+              <a:t>2/27/2024</a:t>
             </a:fld>
             <a:endParaRPr lang="en-US"/>
           </a:p>
@@ -2160,7 +2160,7 @@
           <a:p>
             <a:fld id="{0E229EAE-66CA-4BFE-9D4A-7A6AF854154E}" type="datetimeFigureOut">
               <a:rPr lang="en-US" smtClean="0"/>
-              <a:t>2/26/2024</a:t>
+              <a:t>2/27/2024</a:t>
             </a:fld>
             <a:endParaRPr lang="en-US"/>
           </a:p>
@@ -2255,7 +2255,7 @@
           <a:p>
             <a:fld id="{0E229EAE-66CA-4BFE-9D4A-7A6AF854154E}" type="datetimeFigureOut">
               <a:rPr lang="en-US" smtClean="0"/>
-              <a:t>2/26/2024</a:t>
+              <a:t>2/27/2024</a:t>
             </a:fld>
             <a:endParaRPr lang="en-US"/>
           </a:p>
@@ -2532,7 +2532,7 @@
           <a:p>
             <a:fld id="{0E229EAE-66CA-4BFE-9D4A-7A6AF854154E}" type="datetimeFigureOut">
               <a:rPr lang="en-US" smtClean="0"/>
-              <a:t>2/26/2024</a:t>
+              <a:t>2/27/2024</a:t>
             </a:fld>
             <a:endParaRPr lang="en-US"/>
           </a:p>
@@ -2789,7 +2789,7 @@
           <a:p>
             <a:fld id="{0E229EAE-66CA-4BFE-9D4A-7A6AF854154E}" type="datetimeFigureOut">
               <a:rPr lang="en-US" smtClean="0"/>
-              <a:t>2/26/2024</a:t>
+              <a:t>2/27/2024</a:t>
             </a:fld>
             <a:endParaRPr lang="en-US"/>
           </a:p>
@@ -3002,7 +3002,7 @@
           <a:p>
             <a:fld id="{0E229EAE-66CA-4BFE-9D4A-7A6AF854154E}" type="datetimeFigureOut">
               <a:rPr lang="en-US" smtClean="0"/>
-              <a:t>2/26/2024</a:t>
+              <a:t>2/27/2024</a:t>
             </a:fld>
             <a:endParaRPr lang="en-US"/>
           </a:p>
@@ -3963,7 +3963,7 @@
         <p:spPr>
           <a:xfrm>
             <a:off x="2409657" y="6249204"/>
-            <a:ext cx="26951684" cy="1187848"/>
+            <a:ext cx="12456717" cy="1187848"/>
           </a:xfrm>
           <a:prstGeom prst="round2SameRect">
             <a:avLst/>
@@ -4025,7 +4025,7 @@
         <p:spPr>
           <a:xfrm>
             <a:off x="2409657" y="7475813"/>
-            <a:ext cx="26951684" cy="3970318"/>
+            <a:ext cx="12456717" cy="3108543"/>
           </a:xfrm>
           <a:prstGeom prst="rect">
             <a:avLst/>
@@ -4146,189 +4146,6 @@
               </a:rPr>
               <a:t> of Other/Unknown ancestry.</a:t>
             </a:r>
-          </a:p>
-          <a:p>
-            <a:pPr marL="457200" indent="-457200">
-              <a:buFont typeface="Arial" panose="020B0604020202020204" pitchFamily="34" charset="0"/>
-              <a:buChar char="•"/>
-            </a:pPr>
-            <a:r>
-              <a:rPr lang="en-US" sz="2800" dirty="0">
-                <a:latin typeface="Work Sans" pitchFamily="2" charset="0"/>
-              </a:rPr>
-              <a:t>Each of the </a:t>
-            </a:r>
-            <a:r>
-              <a:rPr lang="en-US" sz="2800" b="1" dirty="0">
-                <a:latin typeface="Work Sans" pitchFamily="2" charset="0"/>
-              </a:rPr>
-              <a:t>362 million genetic variants </a:t>
-            </a:r>
-            <a:r>
-              <a:rPr lang="en-US" sz="2800" dirty="0">
-                <a:latin typeface="Work Sans" pitchFamily="2" charset="0"/>
-              </a:rPr>
-              <a:t>were processed to generate </a:t>
-            </a:r>
-            <a:r>
-              <a:rPr lang="en-US" sz="2800" b="1" dirty="0">
-                <a:latin typeface="Work Sans" pitchFamily="2" charset="0"/>
-              </a:rPr>
-              <a:t>functional annotations </a:t>
-            </a:r>
-            <a:r>
-              <a:rPr lang="en-US" sz="2800" dirty="0">
-                <a:latin typeface="Work Sans" pitchFamily="2" charset="0"/>
-              </a:rPr>
-              <a:t>using the </a:t>
-            </a:r>
-            <a:r>
-              <a:rPr lang="en-US" sz="2800" b="1" dirty="0">
-                <a:latin typeface="Work Sans" pitchFamily="2" charset="0"/>
-              </a:rPr>
-              <a:t>FAVOR database.</a:t>
-            </a:r>
-          </a:p>
-          <a:p>
-            <a:pPr marL="457200" indent="-457200">
-              <a:buFont typeface="Arial" panose="020B0604020202020204" pitchFamily="34" charset="0"/>
-              <a:buChar char="•"/>
-            </a:pPr>
-            <a:r>
-              <a:rPr lang="en-US" sz="2800" dirty="0">
-                <a:latin typeface="Work Sans" pitchFamily="2" charset="0"/>
-              </a:rPr>
-              <a:t>FAVOR integrates data from multiple databases, including </a:t>
-            </a:r>
-            <a:r>
-              <a:rPr lang="en-US" sz="2800" b="1" dirty="0">
-                <a:latin typeface="Work Sans" pitchFamily="2" charset="0"/>
-              </a:rPr>
-              <a:t>CADD v1.5, GENCODE v31, </a:t>
-            </a:r>
-            <a:r>
-              <a:rPr lang="en-US" sz="2800" b="1" dirty="0" err="1">
-                <a:latin typeface="Work Sans" pitchFamily="2" charset="0"/>
-              </a:rPr>
-              <a:t>Annovar</a:t>
-            </a:r>
-            <a:r>
-              <a:rPr lang="en-US" sz="2800" b="1" dirty="0">
-                <a:latin typeface="Work Sans" pitchFamily="2" charset="0"/>
-              </a:rPr>
-              <a:t>, WGSA, </a:t>
-            </a:r>
-            <a:r>
-              <a:rPr lang="en-US" sz="2800" b="1" dirty="0" err="1">
-                <a:latin typeface="Work Sans" pitchFamily="2" charset="0"/>
-              </a:rPr>
-              <a:t>ClinVar</a:t>
-            </a:r>
-            <a:r>
-              <a:rPr lang="en-US" sz="2800" b="1" dirty="0">
-                <a:latin typeface="Work Sans" pitchFamily="2" charset="0"/>
-              </a:rPr>
-              <a:t>, ENCODE, </a:t>
-            </a:r>
-            <a:r>
-              <a:rPr lang="en-US" sz="2800" b="1" dirty="0" err="1">
-                <a:latin typeface="Work Sans" pitchFamily="2" charset="0"/>
-              </a:rPr>
-              <a:t>SnpEff</a:t>
-            </a:r>
-            <a:r>
-              <a:rPr lang="en-US" sz="2800" b="1" dirty="0">
-                <a:latin typeface="Work Sans" pitchFamily="2" charset="0"/>
-              </a:rPr>
-              <a:t>, 1000 Genome, </a:t>
-            </a:r>
-            <a:r>
-              <a:rPr lang="en-US" sz="2800" b="1" dirty="0" err="1">
-                <a:latin typeface="Work Sans" pitchFamily="2" charset="0"/>
-              </a:rPr>
-              <a:t>TOPMed</a:t>
-            </a:r>
-            <a:r>
-              <a:rPr lang="en-US" sz="2800" b="1" dirty="0">
-                <a:latin typeface="Work Sans" pitchFamily="2" charset="0"/>
-              </a:rPr>
-              <a:t> Bravo Freeze 8 and </a:t>
-            </a:r>
-            <a:r>
-              <a:rPr lang="en-US" sz="2800" b="1" dirty="0" err="1">
-                <a:latin typeface="Work Sans" pitchFamily="2" charset="0"/>
-              </a:rPr>
-              <a:t>gnomAD</a:t>
-            </a:r>
-            <a:r>
-              <a:rPr lang="en-US" sz="2800" b="1" dirty="0">
-                <a:latin typeface="Work Sans" pitchFamily="2" charset="0"/>
-              </a:rPr>
-              <a:t> v3.</a:t>
-            </a:r>
-          </a:p>
-          <a:p>
-            <a:pPr marL="457200" indent="-457200">
-              <a:buFont typeface="Arial" panose="020B0604020202020204" pitchFamily="34" charset="0"/>
-              <a:buChar char="•"/>
-            </a:pPr>
-            <a:r>
-              <a:rPr lang="en-US" sz="2800" dirty="0">
-                <a:latin typeface="Work Sans" pitchFamily="2" charset="0"/>
-              </a:rPr>
-              <a:t>FAVOR functional scores are divided into </a:t>
-            </a:r>
-            <a:r>
-              <a:rPr lang="en-US" sz="2800" b="1" dirty="0">
-                <a:latin typeface="Work Sans" pitchFamily="2" charset="0"/>
-              </a:rPr>
-              <a:t>17 groups</a:t>
-            </a:r>
-            <a:r>
-              <a:rPr lang="en-US" sz="2800" dirty="0">
-                <a:latin typeface="Work Sans" pitchFamily="2" charset="0"/>
-              </a:rPr>
-              <a:t>, along with </a:t>
-            </a:r>
-            <a:r>
-              <a:rPr lang="en-US" sz="2800" b="1" dirty="0">
-                <a:latin typeface="Work Sans" pitchFamily="2" charset="0"/>
-              </a:rPr>
-              <a:t>annotation Principal Components (</a:t>
-            </a:r>
-            <a:r>
-              <a:rPr lang="en-US" sz="2800" b="1" dirty="0" err="1">
-                <a:latin typeface="Work Sans" pitchFamily="2" charset="0"/>
-              </a:rPr>
-              <a:t>aPCs</a:t>
-            </a:r>
-            <a:r>
-              <a:rPr lang="en-US" sz="2800" b="1" dirty="0">
-                <a:latin typeface="Work Sans" pitchFamily="2" charset="0"/>
-              </a:rPr>
-              <a:t>)</a:t>
-            </a:r>
-            <a:r>
-              <a:rPr lang="en-US" sz="2800" dirty="0">
-                <a:latin typeface="Work Sans" pitchFamily="2" charset="0"/>
-              </a:rPr>
-              <a:t>, which are the first variant-specific PC calculated from each standardized individual annotation score within these 17 groups</a:t>
-            </a:r>
-            <a:r>
-              <a:rPr lang="en-US" sz="2800" b="1" dirty="0">
-                <a:latin typeface="Work Sans" pitchFamily="2" charset="0"/>
-              </a:rPr>
-              <a:t>.  </a:t>
-            </a:r>
-          </a:p>
-          <a:p>
-            <a:pPr marL="457200" indent="-457200">
-              <a:buFont typeface="Arial" panose="020B0604020202020204" pitchFamily="34" charset="0"/>
-              <a:buChar char="•"/>
-            </a:pPr>
-            <a:endParaRPr lang="en-US" sz="2800" dirty="0">
-              <a:latin typeface="Work Sans" pitchFamily="2" charset="0"/>
-            </a:endParaRPr>
           </a:p>
         </p:txBody>
       </p:sp>
@@ -4636,6 +4453,288 @@
           </a:prstGeom>
         </p:spPr>
       </p:pic>
+      <p:sp>
+        <p:nvSpPr>
+          <p:cNvPr id="2" name="Rectangle: Top Corners Rounded 1">
+            <a:extLst>
+              <a:ext uri="{FF2B5EF4-FFF2-40B4-BE49-F238E27FC236}">
+                <a16:creationId xmlns:a16="http://schemas.microsoft.com/office/drawing/2014/main" id="{4E145EFB-7299-055D-A363-F30BCBF41B1F}"/>
+              </a:ext>
+            </a:extLst>
+          </p:cNvPr>
+          <p:cNvSpPr/>
+          <p:nvPr/>
+        </p:nvSpPr>
+        <p:spPr>
+          <a:xfrm>
+            <a:off x="16484534" y="6124864"/>
+            <a:ext cx="12456717" cy="1187848"/>
+          </a:xfrm>
+          <a:prstGeom prst="round2SameRect">
+            <a:avLst/>
+          </a:prstGeom>
+          <a:solidFill>
+            <a:srgbClr val="74A9CF"/>
+          </a:solidFill>
+          <a:ln>
+            <a:solidFill>
+              <a:schemeClr val="tx1"/>
+            </a:solidFill>
+          </a:ln>
+        </p:spPr>
+        <p:style>
+          <a:lnRef idx="2">
+            <a:schemeClr val="accent1">
+              <a:shade val="15000"/>
+            </a:schemeClr>
+          </a:lnRef>
+          <a:fillRef idx="1">
+            <a:schemeClr val="accent1"/>
+          </a:fillRef>
+          <a:effectRef idx="0">
+            <a:schemeClr val="accent1"/>
+          </a:effectRef>
+          <a:fontRef idx="minor">
+            <a:schemeClr val="lt1"/>
+          </a:fontRef>
+        </p:style>
+        <p:txBody>
+          <a:bodyPr rtlCol="0" anchor="ctr"/>
+          <a:lstStyle/>
+          <a:p>
+            <a:pPr algn="ctr"/>
+            <a:r>
+              <a:rPr lang="en-US" sz="4800" b="1">
+                <a:solidFill>
+                  <a:schemeClr val="tx1"/>
+                </a:solidFill>
+                <a:latin typeface="Work Sans" pitchFamily="2" charset="0"/>
+              </a:rPr>
+              <a:t>FAVOR annotations</a:t>
+            </a:r>
+            <a:endParaRPr lang="en-US" sz="4800" b="1" dirty="0">
+              <a:solidFill>
+                <a:schemeClr val="tx1"/>
+              </a:solidFill>
+              <a:latin typeface="Work Sans" pitchFamily="2" charset="0"/>
+            </a:endParaRPr>
+          </a:p>
+        </p:txBody>
+      </p:sp>
+      <p:sp>
+        <p:nvSpPr>
+          <p:cNvPr id="4" name="TextBox 3">
+            <a:extLst>
+              <a:ext uri="{FF2B5EF4-FFF2-40B4-BE49-F238E27FC236}">
+                <a16:creationId xmlns:a16="http://schemas.microsoft.com/office/drawing/2014/main" id="{8412198A-9506-9C29-0AB4-B159408B4DD1}"/>
+              </a:ext>
+            </a:extLst>
+          </p:cNvPr>
+          <p:cNvSpPr txBox="1"/>
+          <p:nvPr/>
+        </p:nvSpPr>
+        <p:spPr>
+          <a:xfrm>
+            <a:off x="16484533" y="7325938"/>
+            <a:ext cx="12456717" cy="3970318"/>
+          </a:xfrm>
+          <a:prstGeom prst="rect">
+            <a:avLst/>
+          </a:prstGeom>
+          <a:noFill/>
+          <a:ln>
+            <a:solidFill>
+              <a:schemeClr val="tx1">
+                <a:lumMod val="50000"/>
+                <a:lumOff val="50000"/>
+              </a:schemeClr>
+            </a:solidFill>
+          </a:ln>
+        </p:spPr>
+        <p:txBody>
+          <a:bodyPr wrap="square" rtlCol="0">
+            <a:spAutoFit/>
+          </a:bodyPr>
+          <a:lstStyle/>
+          <a:p>
+            <a:pPr marL="457200" indent="-457200">
+              <a:buFont typeface="Arial" panose="020B0604020202020204" pitchFamily="34" charset="0"/>
+              <a:buChar char="•"/>
+            </a:pPr>
+            <a:r>
+              <a:rPr lang="en-US" sz="2800" dirty="0">
+                <a:latin typeface="Work Sans" pitchFamily="2" charset="0"/>
+              </a:rPr>
+              <a:t>Each of the </a:t>
+            </a:r>
+            <a:r>
+              <a:rPr lang="en-US" sz="2800" b="1" dirty="0">
+                <a:latin typeface="Work Sans" pitchFamily="2" charset="0"/>
+              </a:rPr>
+              <a:t>362 million genetic variants </a:t>
+            </a:r>
+            <a:r>
+              <a:rPr lang="en-US" sz="2800" dirty="0">
+                <a:latin typeface="Work Sans" pitchFamily="2" charset="0"/>
+              </a:rPr>
+              <a:t>were processed to generate </a:t>
+            </a:r>
+            <a:r>
+              <a:rPr lang="en-US" sz="2800" b="1" dirty="0">
+                <a:latin typeface="Work Sans" pitchFamily="2" charset="0"/>
+              </a:rPr>
+              <a:t>functional annotations </a:t>
+            </a:r>
+            <a:r>
+              <a:rPr lang="en-US" sz="2800" dirty="0">
+                <a:latin typeface="Work Sans" pitchFamily="2" charset="0"/>
+              </a:rPr>
+              <a:t>using the </a:t>
+            </a:r>
+            <a:r>
+              <a:rPr lang="en-US" sz="2800" b="1" dirty="0">
+                <a:latin typeface="Work Sans" pitchFamily="2" charset="0"/>
+              </a:rPr>
+              <a:t>FAVOR database.</a:t>
+            </a:r>
+          </a:p>
+          <a:p>
+            <a:pPr marL="457200" indent="-457200">
+              <a:buFont typeface="Arial" panose="020B0604020202020204" pitchFamily="34" charset="0"/>
+              <a:buChar char="•"/>
+            </a:pPr>
+            <a:r>
+              <a:rPr lang="en-US" sz="2800" dirty="0">
+                <a:latin typeface="Work Sans" pitchFamily="2" charset="0"/>
+              </a:rPr>
+              <a:t>FAVOR integrates data from multiple databases, including </a:t>
+            </a:r>
+            <a:r>
+              <a:rPr lang="en-US" sz="2800" b="1" dirty="0">
+                <a:latin typeface="Work Sans" pitchFamily="2" charset="0"/>
+              </a:rPr>
+              <a:t>CADD v1.5, GENCODE v31, </a:t>
+            </a:r>
+            <a:r>
+              <a:rPr lang="en-US" sz="2800" b="1" dirty="0" err="1">
+                <a:latin typeface="Work Sans" pitchFamily="2" charset="0"/>
+              </a:rPr>
+              <a:t>Annovar</a:t>
+            </a:r>
+            <a:r>
+              <a:rPr lang="en-US" sz="2800" b="1" dirty="0">
+                <a:latin typeface="Work Sans" pitchFamily="2" charset="0"/>
+              </a:rPr>
+              <a:t>, WGSA, </a:t>
+            </a:r>
+            <a:r>
+              <a:rPr lang="en-US" sz="2800" b="1" dirty="0" err="1">
+                <a:latin typeface="Work Sans" pitchFamily="2" charset="0"/>
+              </a:rPr>
+              <a:t>ClinVar</a:t>
+            </a:r>
+            <a:r>
+              <a:rPr lang="en-US" sz="2800" b="1" dirty="0">
+                <a:latin typeface="Work Sans" pitchFamily="2" charset="0"/>
+              </a:rPr>
+              <a:t>, ENCODE, </a:t>
+            </a:r>
+            <a:r>
+              <a:rPr lang="en-US" sz="2800" b="1" dirty="0" err="1">
+                <a:latin typeface="Work Sans" pitchFamily="2" charset="0"/>
+              </a:rPr>
+              <a:t>SnpEff</a:t>
+            </a:r>
+            <a:r>
+              <a:rPr lang="en-US" sz="2800" b="1" dirty="0">
+                <a:latin typeface="Work Sans" pitchFamily="2" charset="0"/>
+              </a:rPr>
+              <a:t>, 1000 Genome, </a:t>
+            </a:r>
+            <a:r>
+              <a:rPr lang="en-US" sz="2800" b="1" dirty="0" err="1">
+                <a:latin typeface="Work Sans" pitchFamily="2" charset="0"/>
+              </a:rPr>
+              <a:t>TOPMed</a:t>
+            </a:r>
+            <a:r>
+              <a:rPr lang="en-US" sz="2800" b="1" dirty="0">
+                <a:latin typeface="Work Sans" pitchFamily="2" charset="0"/>
+              </a:rPr>
+              <a:t> Bravo Freeze 8 and </a:t>
+            </a:r>
+            <a:r>
+              <a:rPr lang="en-US" sz="2800" b="1" dirty="0" err="1">
+                <a:latin typeface="Work Sans" pitchFamily="2" charset="0"/>
+              </a:rPr>
+              <a:t>gnomAD</a:t>
+            </a:r>
+            <a:r>
+              <a:rPr lang="en-US" sz="2800" b="1" dirty="0">
+                <a:latin typeface="Work Sans" pitchFamily="2" charset="0"/>
+              </a:rPr>
+              <a:t> v3.</a:t>
+            </a:r>
+          </a:p>
+          <a:p>
+            <a:pPr marL="457200" indent="-457200">
+              <a:buFont typeface="Arial" panose="020B0604020202020204" pitchFamily="34" charset="0"/>
+              <a:buChar char="•"/>
+            </a:pPr>
+            <a:r>
+              <a:rPr lang="en-US" sz="2800" dirty="0">
+                <a:latin typeface="Work Sans" pitchFamily="2" charset="0"/>
+              </a:rPr>
+              <a:t>FAVOR functional scores are divided into </a:t>
+            </a:r>
+            <a:r>
+              <a:rPr lang="en-US" sz="2800" b="1" dirty="0">
+                <a:latin typeface="Work Sans" pitchFamily="2" charset="0"/>
+              </a:rPr>
+              <a:t>17 groups</a:t>
+            </a:r>
+            <a:r>
+              <a:rPr lang="en-US" sz="2800" dirty="0">
+                <a:latin typeface="Work Sans" pitchFamily="2" charset="0"/>
+              </a:rPr>
+              <a:t>, along with </a:t>
+            </a:r>
+            <a:r>
+              <a:rPr lang="en-US" sz="2800" b="1" dirty="0">
+                <a:latin typeface="Work Sans" pitchFamily="2" charset="0"/>
+              </a:rPr>
+              <a:t>annotation Principal Components (</a:t>
+            </a:r>
+            <a:r>
+              <a:rPr lang="en-US" sz="2800" b="1" dirty="0" err="1">
+                <a:latin typeface="Work Sans" pitchFamily="2" charset="0"/>
+              </a:rPr>
+              <a:t>aPCs</a:t>
+            </a:r>
+            <a:r>
+              <a:rPr lang="en-US" sz="2800" b="1" dirty="0">
+                <a:latin typeface="Work Sans" pitchFamily="2" charset="0"/>
+              </a:rPr>
+              <a:t>)</a:t>
+            </a:r>
+            <a:r>
+              <a:rPr lang="en-US" sz="2800" dirty="0">
+                <a:latin typeface="Work Sans" pitchFamily="2" charset="0"/>
+              </a:rPr>
+              <a:t>, which are the first variant-specific PC calculated from each standardized individual annotation score within these 17 groups</a:t>
+            </a:r>
+            <a:r>
+              <a:rPr lang="en-US" sz="2800" b="1" dirty="0">
+                <a:latin typeface="Work Sans" pitchFamily="2" charset="0"/>
+              </a:rPr>
+              <a:t>.  </a:t>
+            </a:r>
+            <a:endParaRPr lang="en-US" sz="2800" dirty="0">
+              <a:latin typeface="Work Sans" pitchFamily="2" charset="0"/>
+            </a:endParaRPr>
+          </a:p>
+        </p:txBody>
+      </p:sp>
     </p:spTree>
     <p:extLst>
       <p:ext uri="{BB962C8B-B14F-4D97-AF65-F5344CB8AC3E}">

--- a/ADSP_review_poster.pptx
+++ b/ADSP_review_poster.pptx
@@ -197,7 +197,7 @@
           <a:p>
             <a:fld id="{54862F2C-DB6C-4012-9203-4A6B221FBE81}" type="datetimeFigureOut">
               <a:rPr lang="en-US" smtClean="0"/>
-              <a:t>2/27/2024</a:t>
+              <a:t>2/28/2024</a:t>
             </a:fld>
             <a:endParaRPr lang="en-US"/>
           </a:p>
@@ -679,7 +679,7 @@
           <a:p>
             <a:fld id="{0E229EAE-66CA-4BFE-9D4A-7A6AF854154E}" type="datetimeFigureOut">
               <a:rPr lang="en-US" smtClean="0"/>
-              <a:t>2/27/2024</a:t>
+              <a:t>2/28/2024</a:t>
             </a:fld>
             <a:endParaRPr lang="en-US"/>
           </a:p>
@@ -849,7 +849,7 @@
           <a:p>
             <a:fld id="{0E229EAE-66CA-4BFE-9D4A-7A6AF854154E}" type="datetimeFigureOut">
               <a:rPr lang="en-US" smtClean="0"/>
-              <a:t>2/27/2024</a:t>
+              <a:t>2/28/2024</a:t>
             </a:fld>
             <a:endParaRPr lang="en-US"/>
           </a:p>
@@ -1029,7 +1029,7 @@
           <a:p>
             <a:fld id="{0E229EAE-66CA-4BFE-9D4A-7A6AF854154E}" type="datetimeFigureOut">
               <a:rPr lang="en-US" smtClean="0"/>
-              <a:t>2/27/2024</a:t>
+              <a:t>2/28/2024</a:t>
             </a:fld>
             <a:endParaRPr lang="en-US"/>
           </a:p>
@@ -1199,7 +1199,7 @@
           <a:p>
             <a:fld id="{0E229EAE-66CA-4BFE-9D4A-7A6AF854154E}" type="datetimeFigureOut">
               <a:rPr lang="en-US" smtClean="0"/>
-              <a:t>2/27/2024</a:t>
+              <a:t>2/28/2024</a:t>
             </a:fld>
             <a:endParaRPr lang="en-US"/>
           </a:p>
@@ -1443,7 +1443,7 @@
           <a:p>
             <a:fld id="{0E229EAE-66CA-4BFE-9D4A-7A6AF854154E}" type="datetimeFigureOut">
               <a:rPr lang="en-US" smtClean="0"/>
-              <a:t>2/27/2024</a:t>
+              <a:t>2/28/2024</a:t>
             </a:fld>
             <a:endParaRPr lang="en-US"/>
           </a:p>
@@ -1675,7 +1675,7 @@
           <a:p>
             <a:fld id="{0E229EAE-66CA-4BFE-9D4A-7A6AF854154E}" type="datetimeFigureOut">
               <a:rPr lang="en-US" smtClean="0"/>
-              <a:t>2/27/2024</a:t>
+              <a:t>2/28/2024</a:t>
             </a:fld>
             <a:endParaRPr lang="en-US"/>
           </a:p>
@@ -2042,7 +2042,7 @@
           <a:p>
             <a:fld id="{0E229EAE-66CA-4BFE-9D4A-7A6AF854154E}" type="datetimeFigureOut">
               <a:rPr lang="en-US" smtClean="0"/>
-              <a:t>2/27/2024</a:t>
+              <a:t>2/28/2024</a:t>
             </a:fld>
             <a:endParaRPr lang="en-US"/>
           </a:p>
@@ -2160,7 +2160,7 @@
           <a:p>
             <a:fld id="{0E229EAE-66CA-4BFE-9D4A-7A6AF854154E}" type="datetimeFigureOut">
               <a:rPr lang="en-US" smtClean="0"/>
-              <a:t>2/27/2024</a:t>
+              <a:t>2/28/2024</a:t>
             </a:fld>
             <a:endParaRPr lang="en-US"/>
           </a:p>
@@ -2255,7 +2255,7 @@
           <a:p>
             <a:fld id="{0E229EAE-66CA-4BFE-9D4A-7A6AF854154E}" type="datetimeFigureOut">
               <a:rPr lang="en-US" smtClean="0"/>
-              <a:t>2/27/2024</a:t>
+              <a:t>2/28/2024</a:t>
             </a:fld>
             <a:endParaRPr lang="en-US"/>
           </a:p>
@@ -2532,7 +2532,7 @@
           <a:p>
             <a:fld id="{0E229EAE-66CA-4BFE-9D4A-7A6AF854154E}" type="datetimeFigureOut">
               <a:rPr lang="en-US" smtClean="0"/>
-              <a:t>2/27/2024</a:t>
+              <a:t>2/28/2024</a:t>
             </a:fld>
             <a:endParaRPr lang="en-US"/>
           </a:p>
@@ -2789,7 +2789,7 @@
           <a:p>
             <a:fld id="{0E229EAE-66CA-4BFE-9D4A-7A6AF854154E}" type="datetimeFigureOut">
               <a:rPr lang="en-US" smtClean="0"/>
-              <a:t>2/27/2024</a:t>
+              <a:t>2/28/2024</a:t>
             </a:fld>
             <a:endParaRPr lang="en-US"/>
           </a:p>
@@ -3002,7 +3002,7 @@
           <a:p>
             <a:fld id="{0E229EAE-66CA-4BFE-9D4A-7A6AF854154E}" type="datetimeFigureOut">
               <a:rPr lang="en-US" smtClean="0"/>
-              <a:t>2/27/2024</a:t>
+              <a:t>2/28/2024</a:t>
             </a:fld>
             <a:endParaRPr lang="en-US"/>
           </a:p>
@@ -3962,8 +3962,8 @@
         </p:nvSpPr>
         <p:spPr>
           <a:xfrm>
-            <a:off x="2409657" y="6249204"/>
-            <a:ext cx="12456717" cy="1187848"/>
+            <a:off x="1728259" y="6076864"/>
+            <a:ext cx="8699295" cy="926058"/>
           </a:xfrm>
           <a:prstGeom prst="round2SameRect">
             <a:avLst/>
@@ -4024,8 +4024,8 @@
         </p:nvSpPr>
         <p:spPr>
           <a:xfrm>
-            <a:off x="2409657" y="7475813"/>
-            <a:ext cx="12456717" cy="3108543"/>
+            <a:off x="1729922" y="6979147"/>
+            <a:ext cx="8699294" cy="3693319"/>
           </a:xfrm>
           <a:prstGeom prst="rect">
             <a:avLst/>
@@ -4051,25 +4051,25 @@
               <a:buChar char="•"/>
             </a:pPr>
             <a:r>
-              <a:rPr lang="en-US" sz="2800" dirty="0">
+              <a:rPr lang="en-US" sz="2600" dirty="0">
                 <a:latin typeface="Work Sans" pitchFamily="2" charset="0"/>
               </a:rPr>
               <a:t>The ADSP (Alzheimer’s Disease Sequencing Project) released their 4</a:t>
             </a:r>
             <a:r>
-              <a:rPr lang="en-US" sz="2800" baseline="30000" dirty="0">
+              <a:rPr lang="en-US" sz="2600" baseline="30000" dirty="0">
                 <a:latin typeface="Work Sans" pitchFamily="2" charset="0"/>
               </a:rPr>
               <a:t>th</a:t>
             </a:r>
             <a:r>
-              <a:rPr lang="en-US" sz="2800" dirty="0">
+              <a:rPr lang="en-US" sz="2600" dirty="0">
                 <a:latin typeface="Work Sans" pitchFamily="2" charset="0"/>
               </a:rPr>
               <a:t> dataset consisting of </a:t>
             </a:r>
             <a:r>
-              <a:rPr lang="en-US" sz="2800" b="1" dirty="0">
+              <a:rPr lang="en-US" sz="2600" b="1" dirty="0">
                 <a:latin typeface="Work Sans" pitchFamily="2" charset="0"/>
               </a:rPr>
               <a:t>36,361 sequenced genomes, with 362 million variants.  </a:t>
@@ -4081,70 +4081,46 @@
               <a:buChar char="•"/>
             </a:pPr>
             <a:r>
-              <a:rPr lang="en-US" sz="2800" dirty="0">
-                <a:latin typeface="Work Sans" pitchFamily="2" charset="0"/>
-              </a:rPr>
-              <a:t>The R4 release has 35,569 unique subjects, with </a:t>
-            </a:r>
-            <a:r>
-              <a:rPr lang="en-US" sz="2800" b="1" u="sng" dirty="0">
-                <a:latin typeface="Work Sans" pitchFamily="2" charset="0"/>
-              </a:rPr>
-              <a:t>5,218</a:t>
-            </a:r>
-            <a:r>
-              <a:rPr lang="en-US" sz="2800" dirty="0">
-                <a:latin typeface="Work Sans" pitchFamily="2" charset="0"/>
-              </a:rPr>
-              <a:t> individuals of African Ancestry, </a:t>
-            </a:r>
-            <a:r>
-              <a:rPr lang="en-US" sz="2800" b="1" u="sng" dirty="0">
-                <a:latin typeface="Work Sans" pitchFamily="2" charset="0"/>
-              </a:rPr>
-              <a:t>2,791</a:t>
-            </a:r>
-            <a:r>
-              <a:rPr lang="en-US" sz="2800" dirty="0">
-                <a:latin typeface="Work Sans" pitchFamily="2" charset="0"/>
-              </a:rPr>
-              <a:t> with Asian ancestry, </a:t>
-            </a:r>
-            <a:r>
-              <a:rPr lang="en-US" sz="2800" b="1" u="sng" dirty="0">
-                <a:latin typeface="Work Sans" pitchFamily="2" charset="0"/>
-              </a:rPr>
-              <a:t>10,398</a:t>
-            </a:r>
-            <a:r>
-              <a:rPr lang="en-US" sz="2800" dirty="0">
-                <a:latin typeface="Work Sans" pitchFamily="2" charset="0"/>
-              </a:rPr>
-              <a:t> with Hispanic ancestry, </a:t>
-            </a:r>
-            <a:r>
-              <a:rPr lang="en-US" sz="2800" b="1" u="sng" dirty="0">
-                <a:latin typeface="Work Sans" pitchFamily="2" charset="0"/>
-              </a:rPr>
-              <a:t>16,191</a:t>
-            </a:r>
-            <a:r>
-              <a:rPr lang="en-US" sz="2800" dirty="0">
-                <a:latin typeface="Work Sans" pitchFamily="2" charset="0"/>
-              </a:rPr>
-              <a:t> with Non-Hispanic White (NHW) ancestry, and </a:t>
-            </a:r>
-            <a:r>
-              <a:rPr lang="en-US" sz="2800" b="1" u="sng" dirty="0">
-                <a:latin typeface="Work Sans" pitchFamily="2" charset="0"/>
-              </a:rPr>
-              <a:t>971</a:t>
-            </a:r>
-            <a:r>
-              <a:rPr lang="en-US" sz="2800" dirty="0">
-                <a:latin typeface="Work Sans" pitchFamily="2" charset="0"/>
-              </a:rPr>
-              <a:t> of Other/Unknown ancestry.</a:t>
+              <a:rPr lang="en-US" sz="2600" dirty="0">
+                <a:latin typeface="Work Sans" pitchFamily="2" charset="0"/>
+              </a:rPr>
+              <a:t>The R4 dataset release also contains</a:t>
+            </a:r>
+            <a:r>
+              <a:rPr lang="en-US" sz="2600" b="1" dirty="0">
+                <a:latin typeface="Work Sans" pitchFamily="2" charset="0"/>
+              </a:rPr>
+              <a:t> variant level QC (Quality Control)</a:t>
+            </a:r>
+            <a:r>
+              <a:rPr lang="en-US" sz="2600" dirty="0">
+                <a:latin typeface="Work Sans" pitchFamily="2" charset="0"/>
+              </a:rPr>
+              <a:t> scores, along with composite </a:t>
+            </a:r>
+            <a:r>
+              <a:rPr lang="en-US" sz="2600" b="1" dirty="0">
+                <a:latin typeface="Work Sans" pitchFamily="2" charset="0"/>
+              </a:rPr>
+              <a:t>binary </a:t>
+            </a:r>
+            <a:r>
+              <a:rPr lang="en-US" sz="2600" b="1" dirty="0" err="1">
+                <a:latin typeface="Work Sans" pitchFamily="2" charset="0"/>
+              </a:rPr>
+              <a:t>VFlags</a:t>
+            </a:r>
+            <a:r>
+              <a:rPr lang="en-US" sz="2600" b="1" dirty="0">
+                <a:latin typeface="Work Sans" pitchFamily="2" charset="0"/>
+              </a:rPr>
+              <a:t> (5 in total) for each variant</a:t>
+            </a:r>
+            <a:r>
+              <a:rPr lang="en-US" sz="2600" dirty="0">
+                <a:latin typeface="Work Sans" pitchFamily="2" charset="0"/>
+              </a:rPr>
+              <a:t>, generated from the individual variant level QC scores.</a:t>
             </a:r>
           </a:p>
         </p:txBody>
@@ -4199,7 +4175,7 @@
         </p:nvGrpSpPr>
         <p:grpSpPr>
           <a:xfrm>
-            <a:off x="1264893" y="38404730"/>
+            <a:off x="1187821" y="38784650"/>
             <a:ext cx="29242564" cy="1118896"/>
             <a:chOff x="1264893" y="38578902"/>
             <a:chExt cx="29242564" cy="1118896"/>
@@ -4309,12 +4285,184 @@
           </p:txBody>
         </p:sp>
       </p:grpSp>
+      <p:sp>
+        <p:nvSpPr>
+          <p:cNvPr id="4" name="TextBox 3">
+            <a:extLst>
+              <a:ext uri="{FF2B5EF4-FFF2-40B4-BE49-F238E27FC236}">
+                <a16:creationId xmlns:a16="http://schemas.microsoft.com/office/drawing/2014/main" id="{8412198A-9506-9C29-0AB4-B159408B4DD1}"/>
+              </a:ext>
+            </a:extLst>
+          </p:cNvPr>
+          <p:cNvSpPr txBox="1"/>
+          <p:nvPr/>
+        </p:nvSpPr>
+        <p:spPr>
+          <a:xfrm>
+            <a:off x="10946430" y="6962133"/>
+            <a:ext cx="9243396" cy="3693319"/>
+          </a:xfrm>
+          <a:prstGeom prst="rect">
+            <a:avLst/>
+          </a:prstGeom>
+          <a:noFill/>
+          <a:ln>
+            <a:solidFill>
+              <a:schemeClr val="tx1">
+                <a:lumMod val="50000"/>
+                <a:lumOff val="50000"/>
+              </a:schemeClr>
+            </a:solidFill>
+          </a:ln>
+        </p:spPr>
+        <p:txBody>
+          <a:bodyPr wrap="square" rtlCol="0">
+            <a:spAutoFit/>
+          </a:bodyPr>
+          <a:lstStyle/>
+          <a:p>
+            <a:pPr marL="457200" indent="-457200">
+              <a:buFont typeface="Arial" panose="020B0604020202020204" pitchFamily="34" charset="0"/>
+              <a:buChar char="•"/>
+            </a:pPr>
+            <a:r>
+              <a:rPr lang="en-US" sz="2600" dirty="0">
+                <a:latin typeface="Work Sans" pitchFamily="2" charset="0"/>
+              </a:rPr>
+              <a:t>FAVOR integrates data from multiple databases, including </a:t>
+            </a:r>
+            <a:r>
+              <a:rPr lang="en-US" sz="2600" b="1" dirty="0">
+                <a:latin typeface="Work Sans" pitchFamily="2" charset="0"/>
+              </a:rPr>
+              <a:t>CADD v1.5, GENCODE v31, </a:t>
+            </a:r>
+            <a:r>
+              <a:rPr lang="en-US" sz="2600" b="1" dirty="0" err="1">
+                <a:latin typeface="Work Sans" pitchFamily="2" charset="0"/>
+              </a:rPr>
+              <a:t>Annovar</a:t>
+            </a:r>
+            <a:r>
+              <a:rPr lang="en-US" sz="2600" b="1" dirty="0">
+                <a:latin typeface="Work Sans" pitchFamily="2" charset="0"/>
+              </a:rPr>
+              <a:t>, WGSA, </a:t>
+            </a:r>
+            <a:r>
+              <a:rPr lang="en-US" sz="2600" b="1" dirty="0" err="1">
+                <a:latin typeface="Work Sans" pitchFamily="2" charset="0"/>
+              </a:rPr>
+              <a:t>ClinVar</a:t>
+            </a:r>
+            <a:r>
+              <a:rPr lang="en-US" sz="2600" b="1" dirty="0">
+                <a:latin typeface="Work Sans" pitchFamily="2" charset="0"/>
+              </a:rPr>
+              <a:t>, ENCODE, </a:t>
+            </a:r>
+            <a:r>
+              <a:rPr lang="en-US" sz="2600" b="1" dirty="0" err="1">
+                <a:latin typeface="Work Sans" pitchFamily="2" charset="0"/>
+              </a:rPr>
+              <a:t>SnpEff</a:t>
+            </a:r>
+            <a:r>
+              <a:rPr lang="en-US" sz="2600" b="1" dirty="0">
+                <a:latin typeface="Work Sans" pitchFamily="2" charset="0"/>
+              </a:rPr>
+              <a:t>, 1000 Genome, </a:t>
+            </a:r>
+            <a:r>
+              <a:rPr lang="en-US" sz="2600" b="1" dirty="0" err="1">
+                <a:latin typeface="Work Sans" pitchFamily="2" charset="0"/>
+              </a:rPr>
+              <a:t>TOPMed</a:t>
+            </a:r>
+            <a:r>
+              <a:rPr lang="en-US" sz="2600" b="1" dirty="0">
+                <a:latin typeface="Work Sans" pitchFamily="2" charset="0"/>
+              </a:rPr>
+              <a:t> Bravo Freeze 8 and </a:t>
+            </a:r>
+            <a:r>
+              <a:rPr lang="en-US" sz="2600" b="1" dirty="0" err="1">
+                <a:latin typeface="Work Sans" pitchFamily="2" charset="0"/>
+              </a:rPr>
+              <a:t>gnomAD</a:t>
+            </a:r>
+            <a:r>
+              <a:rPr lang="en-US" sz="2600" b="1" dirty="0">
+                <a:latin typeface="Work Sans" pitchFamily="2" charset="0"/>
+              </a:rPr>
+              <a:t> v3.</a:t>
+            </a:r>
+          </a:p>
+          <a:p>
+            <a:pPr marL="457200" indent="-457200">
+              <a:buFont typeface="Arial" panose="020B0604020202020204" pitchFamily="34" charset="0"/>
+              <a:buChar char="•"/>
+            </a:pPr>
+            <a:r>
+              <a:rPr lang="en-US" sz="2600" dirty="0">
+                <a:latin typeface="Work Sans" pitchFamily="2" charset="0"/>
+              </a:rPr>
+              <a:t>FAVOR functional scores are divided into </a:t>
+            </a:r>
+            <a:r>
+              <a:rPr lang="en-US" sz="2600" b="1" dirty="0">
+                <a:latin typeface="Work Sans" pitchFamily="2" charset="0"/>
+              </a:rPr>
+              <a:t>17 groups</a:t>
+            </a:r>
+            <a:r>
+              <a:rPr lang="en-US" sz="2600" dirty="0">
+                <a:latin typeface="Work Sans" pitchFamily="2" charset="0"/>
+              </a:rPr>
+              <a:t>, along with </a:t>
+            </a:r>
+            <a:r>
+              <a:rPr lang="en-US" sz="2600" b="1" dirty="0">
+                <a:latin typeface="Work Sans" pitchFamily="2" charset="0"/>
+              </a:rPr>
+              <a:t>annotation Principal Components (</a:t>
+            </a:r>
+            <a:r>
+              <a:rPr lang="en-US" sz="2600" b="1" dirty="0" err="1">
+                <a:latin typeface="Work Sans" pitchFamily="2" charset="0"/>
+              </a:rPr>
+              <a:t>aPCs</a:t>
+            </a:r>
+            <a:r>
+              <a:rPr lang="en-US" sz="2600" b="1" dirty="0">
+                <a:latin typeface="Work Sans" pitchFamily="2" charset="0"/>
+              </a:rPr>
+              <a:t>)</a:t>
+            </a:r>
+            <a:r>
+              <a:rPr lang="en-US" sz="2600" dirty="0">
+                <a:latin typeface="Work Sans" pitchFamily="2" charset="0"/>
+              </a:rPr>
+              <a:t>, which are the first variant-specific PC calculated from each standardized individual annotation score within these 17 groups</a:t>
+            </a:r>
+            <a:r>
+              <a:rPr lang="en-US" sz="2600" b="1" dirty="0">
+                <a:latin typeface="Work Sans" pitchFamily="2" charset="0"/>
+              </a:rPr>
+              <a:t>.  </a:t>
+            </a:r>
+            <a:endParaRPr lang="en-US" sz="2600" dirty="0">
+              <a:latin typeface="Work Sans" pitchFamily="2" charset="0"/>
+            </a:endParaRPr>
+          </a:p>
+        </p:txBody>
+      </p:sp>
       <p:pic>
         <p:nvPicPr>
-          <p:cNvPr id="60" name="Picture 59" descr="A screen shot of a graph&#10;&#10;Description automatically generated">
+          <p:cNvPr id="6" name="Picture 5" descr="A screenshot of a graph&#10;&#10;Description automatically generated">
             <a:extLst>
               <a:ext uri="{FF2B5EF4-FFF2-40B4-BE49-F238E27FC236}">
-                <a16:creationId xmlns:a16="http://schemas.microsoft.com/office/drawing/2014/main" id="{312AA46A-F58D-E643-4818-E07C3D433914}"/>
+                <a16:creationId xmlns:a16="http://schemas.microsoft.com/office/drawing/2014/main" id="{34D9DB3E-47A1-536B-5B0E-3E4ED7080B55}"/>
               </a:ext>
             </a:extLst>
           </p:cNvPr>
@@ -4337,7 +4485,7 @@
         </p:blipFill>
         <p:spPr>
           <a:xfrm>
-            <a:off x="1102277" y="11772333"/>
+            <a:off x="946151" y="29579382"/>
             <a:ext cx="14630429" cy="9144018"/>
           </a:xfrm>
           <a:prstGeom prst="rect">
@@ -4347,10 +4495,10 @@
       </p:pic>
       <p:pic>
         <p:nvPicPr>
-          <p:cNvPr id="62" name="Picture 61" descr="A screenshot of a graph&#10;&#10;Description automatically generated">
+          <p:cNvPr id="8" name="Picture 7" descr="A white sheet with black text&#10;&#10;Description automatically generated">
             <a:extLst>
               <a:ext uri="{FF2B5EF4-FFF2-40B4-BE49-F238E27FC236}">
-                <a16:creationId xmlns:a16="http://schemas.microsoft.com/office/drawing/2014/main" id="{C1C55362-9EF8-0E4A-F21B-34345741B460}"/>
+                <a16:creationId xmlns:a16="http://schemas.microsoft.com/office/drawing/2014/main" id="{0832CA3C-3CAF-B016-CC25-E3BA0F16D4E2}"/>
               </a:ext>
             </a:extLst>
           </p:cNvPr>
@@ -4373,7 +4521,7 @@
         </p:blipFill>
         <p:spPr>
           <a:xfrm>
-            <a:off x="15732707" y="11772333"/>
+            <a:off x="1105802" y="10775240"/>
             <a:ext cx="14630429" cy="9144018"/>
           </a:xfrm>
           <a:prstGeom prst="rect">
@@ -4383,10 +4531,10 @@
       </p:pic>
       <p:pic>
         <p:nvPicPr>
-          <p:cNvPr id="64" name="Picture 63" descr="A screenshot of a computer&#10;&#10;Description automatically generated">
+          <p:cNvPr id="10" name="Picture 9" descr="A screenshot of a graph&#10;&#10;Description automatically generated">
             <a:extLst>
               <a:ext uri="{FF2B5EF4-FFF2-40B4-BE49-F238E27FC236}">
-                <a16:creationId xmlns:a16="http://schemas.microsoft.com/office/drawing/2014/main" id="{2CD33244-7396-C433-D6B0-DCD5B2B16C7E}"/>
+                <a16:creationId xmlns:a16="http://schemas.microsoft.com/office/drawing/2014/main" id="{643B5F2F-B124-9233-132C-6A2B97C229F5}"/>
               </a:ext>
             </a:extLst>
           </p:cNvPr>
@@ -4409,7 +4557,7 @@
         </p:blipFill>
         <p:spPr>
           <a:xfrm>
-            <a:off x="1102278" y="21242553"/>
+            <a:off x="15817767" y="10810016"/>
             <a:ext cx="14630429" cy="9144018"/>
           </a:xfrm>
           <a:prstGeom prst="rect">
@@ -4419,10 +4567,10 @@
       </p:pic>
       <p:pic>
         <p:nvPicPr>
-          <p:cNvPr id="66" name="Picture 65" descr="A white sheet with black text and black text&#10;&#10;Description automatically generated with medium confidence">
+          <p:cNvPr id="12" name="Picture 11" descr="A graph with lines and letters&#10;&#10;Description automatically generated with medium confidence">
             <a:extLst>
               <a:ext uri="{FF2B5EF4-FFF2-40B4-BE49-F238E27FC236}">
-                <a16:creationId xmlns:a16="http://schemas.microsoft.com/office/drawing/2014/main" id="{2F41429A-56BA-E6AD-44F5-35679FBDF97C}"/>
+                <a16:creationId xmlns:a16="http://schemas.microsoft.com/office/drawing/2014/main" id="{50A35D31-FE95-9D02-E545-B3548E6F5196}"/>
               </a:ext>
             </a:extLst>
           </p:cNvPr>
@@ -4445,7 +4593,7 @@
         </p:blipFill>
         <p:spPr>
           <a:xfrm>
-            <a:off x="15885499" y="21242553"/>
+            <a:off x="946151" y="19949883"/>
             <a:ext cx="14630429" cy="9144018"/>
           </a:xfrm>
           <a:prstGeom prst="rect">
@@ -4453,12 +4601,48 @@
           </a:prstGeom>
         </p:spPr>
       </p:pic>
-      <p:sp>
-        <p:nvSpPr>
-          <p:cNvPr id="2" name="Rectangle: Top Corners Rounded 1">
+      <p:pic>
+        <p:nvPicPr>
+          <p:cNvPr id="14" name="Picture 13" descr="A screen shot of a graph&#10;&#10;Description automatically generated">
             <a:extLst>
               <a:ext uri="{FF2B5EF4-FFF2-40B4-BE49-F238E27FC236}">
-                <a16:creationId xmlns:a16="http://schemas.microsoft.com/office/drawing/2014/main" id="{4E145EFB-7299-055D-A363-F30BCBF41B1F}"/>
+                <a16:creationId xmlns:a16="http://schemas.microsoft.com/office/drawing/2014/main" id="{54243618-5D05-6C32-5146-2786D495695C}"/>
+              </a:ext>
+            </a:extLst>
+          </p:cNvPr>
+          <p:cNvPicPr>
+            <a:picLocks noChangeAspect="1"/>
+          </p:cNvPicPr>
+          <p:nvPr/>
+        </p:nvPicPr>
+        <p:blipFill>
+          <a:blip r:embed="rId9">
+            <a:extLst>
+              <a:ext uri="{28A0092B-C50C-407E-A947-70E740481C1C}">
+                <a14:useLocalDpi xmlns:a14="http://schemas.microsoft.com/office/drawing/2010/main" val="0"/>
+              </a:ext>
+            </a:extLst>
+          </a:blip>
+          <a:stretch>
+            <a:fillRect/>
+          </a:stretch>
+        </p:blipFill>
+        <p:spPr>
+          <a:xfrm>
+            <a:off x="15732707" y="19930236"/>
+            <a:ext cx="14630429" cy="9144018"/>
+          </a:xfrm>
+          <a:prstGeom prst="rect">
+            <a:avLst/>
+          </a:prstGeom>
+        </p:spPr>
+      </p:pic>
+      <p:sp>
+        <p:nvSpPr>
+          <p:cNvPr id="20" name="Rectangle: Top Corners Rounded 19">
+            <a:extLst>
+              <a:ext uri="{FF2B5EF4-FFF2-40B4-BE49-F238E27FC236}">
+                <a16:creationId xmlns:a16="http://schemas.microsoft.com/office/drawing/2014/main" id="{82E95368-ACF4-2135-BD8E-A99EC43E5A88}"/>
               </a:ext>
             </a:extLst>
           </p:cNvPr>
@@ -4467,7 +4651,7 @@
         </p:nvSpPr>
         <p:spPr>
           <a:xfrm>
-            <a:off x="16484534" y="6124864"/>
+            <a:off x="16904624" y="29878687"/>
             <a:ext cx="12456717" cy="1187848"/>
           </a:xfrm>
           <a:prstGeom prst="round2SameRect">
@@ -4504,29 +4688,23 @@
           <a:p>
             <a:pPr algn="ctr"/>
             <a:r>
-              <a:rPr lang="en-US" sz="4800" b="1">
+              <a:rPr lang="en-US" sz="4800" b="1" dirty="0">
                 <a:solidFill>
                   <a:schemeClr val="tx1"/>
                 </a:solidFill>
                 <a:latin typeface="Work Sans" pitchFamily="2" charset="0"/>
               </a:rPr>
-              <a:t>FAVOR annotations</a:t>
-            </a:r>
-            <a:endParaRPr lang="en-US" sz="4800" b="1" dirty="0">
-              <a:solidFill>
-                <a:schemeClr val="tx1"/>
-              </a:solidFill>
-              <a:latin typeface="Work Sans" pitchFamily="2" charset="0"/>
-            </a:endParaRPr>
-          </a:p>
-        </p:txBody>
-      </p:sp>
-      <p:sp>
-        <p:nvSpPr>
-          <p:cNvPr id="4" name="TextBox 3">
+              <a:t>Results</a:t>
+            </a:r>
+          </a:p>
+        </p:txBody>
+      </p:sp>
+      <p:sp>
+        <p:nvSpPr>
+          <p:cNvPr id="21" name="TextBox 20">
             <a:extLst>
               <a:ext uri="{FF2B5EF4-FFF2-40B4-BE49-F238E27FC236}">
-                <a16:creationId xmlns:a16="http://schemas.microsoft.com/office/drawing/2014/main" id="{8412198A-9506-9C29-0AB4-B159408B4DD1}"/>
+                <a16:creationId xmlns:a16="http://schemas.microsoft.com/office/drawing/2014/main" id="{CBE14C14-9591-A2CB-E405-DD4F96E712B7}"/>
               </a:ext>
             </a:extLst>
           </p:cNvPr>
@@ -4535,8 +4713,8 @@
         </p:nvSpPr>
         <p:spPr>
           <a:xfrm>
-            <a:off x="16484533" y="7325938"/>
-            <a:ext cx="12456717" cy="3970318"/>
+            <a:off x="16904624" y="31056578"/>
+            <a:ext cx="12456717" cy="5693866"/>
           </a:xfrm>
           <a:prstGeom prst="rect">
             <a:avLst/>
@@ -4565,37 +4743,61 @@
               <a:rPr lang="en-US" sz="2800" dirty="0">
                 <a:latin typeface="Work Sans" pitchFamily="2" charset="0"/>
               </a:rPr>
-              <a:t>Each of the </a:t>
+              <a:t>The </a:t>
+            </a:r>
+            <a:r>
+              <a:rPr lang="en-US" sz="2800" dirty="0" err="1">
+                <a:latin typeface="Work Sans" pitchFamily="2" charset="0"/>
+              </a:rPr>
+              <a:t>aPCs</a:t>
+            </a:r>
+            <a:r>
+              <a:rPr lang="en-US" sz="2800" dirty="0">
+                <a:latin typeface="Work Sans" pitchFamily="2" charset="0"/>
+              </a:rPr>
+              <a:t> were found to have a </a:t>
             </a:r>
             <a:r>
               <a:rPr lang="en-US" sz="2800" b="1" dirty="0">
                 <a:latin typeface="Work Sans" pitchFamily="2" charset="0"/>
               </a:rPr>
-              <a:t>362 million genetic variants </a:t>
+              <a:t>statistically significant relationship with the odds of a variant failing the </a:t>
+            </a:r>
+            <a:r>
+              <a:rPr lang="en-US" sz="2800" b="1" dirty="0" err="1">
+                <a:latin typeface="Work Sans" pitchFamily="2" charset="0"/>
+              </a:rPr>
+              <a:t>VFlags</a:t>
             </a:r>
             <a:r>
               <a:rPr lang="en-US" sz="2800" dirty="0">
                 <a:latin typeface="Work Sans" pitchFamily="2" charset="0"/>
               </a:rPr>
-              <a:t>were processed to generate </a:t>
-            </a:r>
-            <a:r>
-              <a:rPr lang="en-US" sz="2800" b="1" dirty="0">
-                <a:latin typeface="Work Sans" pitchFamily="2" charset="0"/>
-              </a:rPr>
-              <a:t>functional annotations </a:t>
+              <a:t>, with some </a:t>
+            </a:r>
+            <a:r>
+              <a:rPr lang="en-US" sz="2800" dirty="0" err="1">
+                <a:latin typeface="Work Sans" pitchFamily="2" charset="0"/>
+              </a:rPr>
+              <a:t>aPCs</a:t>
             </a:r>
             <a:r>
               <a:rPr lang="en-US" sz="2800" dirty="0">
                 <a:latin typeface="Work Sans" pitchFamily="2" charset="0"/>
               </a:rPr>
-              <a:t>using the </a:t>
-            </a:r>
-            <a:r>
-              <a:rPr lang="en-US" sz="2800" b="1" dirty="0">
-                <a:latin typeface="Work Sans" pitchFamily="2" charset="0"/>
-              </a:rPr>
-              <a:t>FAVOR database.</a:t>
+              <a:t> having different effects on different </a:t>
+            </a:r>
+            <a:r>
+              <a:rPr lang="en-US" sz="2800" dirty="0" err="1">
+                <a:latin typeface="Work Sans" pitchFamily="2" charset="0"/>
+              </a:rPr>
+              <a:t>VFlags</a:t>
+            </a:r>
+            <a:r>
+              <a:rPr lang="en-US" sz="2800" dirty="0">
+                <a:latin typeface="Work Sans" pitchFamily="2" charset="0"/>
+              </a:rPr>
+              <a:t>. </a:t>
             </a:r>
           </a:p>
           <a:p>
@@ -4607,73 +4809,97 @@
               <a:rPr lang="en-US" sz="2800" dirty="0">
                 <a:latin typeface="Work Sans" pitchFamily="2" charset="0"/>
               </a:rPr>
-              <a:t>FAVOR integrates data from multiple databases, including </a:t>
+              <a:t>For example, an increase in the </a:t>
+            </a:r>
+            <a:r>
+              <a:rPr lang="en-US" sz="2800" dirty="0" err="1">
+                <a:latin typeface="Work Sans" pitchFamily="2" charset="0"/>
+              </a:rPr>
+              <a:t>aPC</a:t>
+            </a:r>
+            <a:r>
+              <a:rPr lang="en-US" sz="2800" dirty="0">
+                <a:latin typeface="Work Sans" pitchFamily="2" charset="0"/>
+              </a:rPr>
+              <a:t> for the </a:t>
             </a:r>
             <a:r>
               <a:rPr lang="en-US" sz="2800" b="1" dirty="0">
                 <a:latin typeface="Work Sans" pitchFamily="2" charset="0"/>
               </a:rPr>
-              <a:t>CADD v1.5, GENCODE v31, </a:t>
-            </a:r>
-            <a:r>
-              <a:rPr lang="en-US" sz="2800" b="1" dirty="0" err="1">
-                <a:latin typeface="Work Sans" pitchFamily="2" charset="0"/>
-              </a:rPr>
-              <a:t>Annovar</a:t>
+              <a:t>“Epigenetics” </a:t>
+            </a:r>
+            <a:r>
+              <a:rPr lang="en-US" sz="2800" dirty="0">
+                <a:latin typeface="Work Sans" pitchFamily="2" charset="0"/>
+              </a:rPr>
+              <a:t>block by one unit for a variant increases the odds of failing </a:t>
+            </a:r>
+            <a:r>
+              <a:rPr lang="en-US" sz="2800" dirty="0" err="1">
+                <a:latin typeface="Work Sans" pitchFamily="2" charset="0"/>
+              </a:rPr>
+              <a:t>VFlag</a:t>
+            </a:r>
+            <a:r>
+              <a:rPr lang="en-US" sz="2800" dirty="0">
+                <a:latin typeface="Work Sans" pitchFamily="2" charset="0"/>
+              </a:rPr>
+              <a:t> 2 (All Genotypes have DP &lt; 10 or GQ &lt; 20) </a:t>
             </a:r>
             <a:r>
               <a:rPr lang="en-US" sz="2800" b="1" dirty="0">
                 <a:latin typeface="Work Sans" pitchFamily="2" charset="0"/>
               </a:rPr>
-              <a:t>, WGSA, </a:t>
-            </a:r>
-            <a:r>
-              <a:rPr lang="en-US" sz="2800" b="1" dirty="0" err="1">
-                <a:latin typeface="Work Sans" pitchFamily="2" charset="0"/>
-              </a:rPr>
-              <a:t>ClinVar</a:t>
+              <a:t>by nearly four fold (95%CI=3.24 to 4.78, p &lt; 10^-8)</a:t>
+            </a:r>
+            <a:r>
+              <a:rPr lang="en-US" sz="2800" dirty="0">
+                <a:latin typeface="Work Sans" pitchFamily="2" charset="0"/>
+              </a:rPr>
+              <a:t>, and the </a:t>
+            </a:r>
+            <a:r>
+              <a:rPr lang="en-US" sz="2800" dirty="0" err="1">
+                <a:latin typeface="Work Sans" pitchFamily="2" charset="0"/>
+              </a:rPr>
+              <a:t>aPC</a:t>
+            </a:r>
+            <a:r>
+              <a:rPr lang="en-US" sz="2800" dirty="0">
+                <a:latin typeface="Work Sans" pitchFamily="2" charset="0"/>
+              </a:rPr>
+              <a:t> for </a:t>
             </a:r>
             <a:r>
               <a:rPr lang="en-US" sz="2800" b="1" dirty="0">
                 <a:latin typeface="Work Sans" pitchFamily="2" charset="0"/>
               </a:rPr>
-              <a:t>, ENCODE, </a:t>
-            </a:r>
-            <a:r>
-              <a:rPr lang="en-US" sz="2800" b="1" dirty="0" err="1">
-                <a:latin typeface="Work Sans" pitchFamily="2" charset="0"/>
-              </a:rPr>
-              <a:t>SnpEff</a:t>
+              <a:t>“Local Nucleotide Diversity”</a:t>
+            </a:r>
+            <a:r>
+              <a:rPr lang="en-US" sz="2800" dirty="0">
+                <a:latin typeface="Work Sans" pitchFamily="2" charset="0"/>
+              </a:rPr>
+              <a:t> dramatically increases odds of failing </a:t>
+            </a:r>
+            <a:r>
+              <a:rPr lang="en-US" sz="2800" dirty="0" err="1">
+                <a:latin typeface="Work Sans" pitchFamily="2" charset="0"/>
+              </a:rPr>
+              <a:t>VFlag</a:t>
+            </a:r>
+            <a:r>
+              <a:rPr lang="en-US" sz="2800" dirty="0">
+                <a:latin typeface="Work Sans" pitchFamily="2" charset="0"/>
+              </a:rPr>
+              <a:t> 5 (Average Mean Depth &gt; 500 reads) </a:t>
             </a:r>
             <a:r>
               <a:rPr lang="en-US" sz="2800" b="1" dirty="0">
                 <a:latin typeface="Work Sans" pitchFamily="2" charset="0"/>
               </a:rPr>
-              <a:t>, 1000 Genome, </a:t>
-            </a:r>
-            <a:r>
-              <a:rPr lang="en-US" sz="2800" b="1" dirty="0" err="1">
-                <a:latin typeface="Work Sans" pitchFamily="2" charset="0"/>
-              </a:rPr>
-              <a:t>TOPMed</a:t>
-            </a:r>
-            <a:r>
-              <a:rPr lang="en-US" sz="2800" b="1" dirty="0">
-                <a:latin typeface="Work Sans" pitchFamily="2" charset="0"/>
-              </a:rPr>
-              <a:t> Bravo Freeze 8 and </a:t>
-            </a:r>
-            <a:r>
-              <a:rPr lang="en-US" sz="2800" b="1" dirty="0" err="1">
-                <a:latin typeface="Work Sans" pitchFamily="2" charset="0"/>
-              </a:rPr>
-              <a:t>gnomAD</a:t>
-            </a:r>
-            <a:r>
-              <a:rPr lang="en-US" sz="2800" b="1" dirty="0">
-                <a:latin typeface="Work Sans" pitchFamily="2" charset="0"/>
-              </a:rPr>
-              <a:t> v3.</a:t>
+              <a:t>by 40 fold (95%CI=26.22 to 60.36, p &lt; 10^-8). </a:t>
             </a:r>
           </a:p>
           <a:p>
@@ -4685,53 +4911,277 @@
               <a:rPr lang="en-US" sz="2800" dirty="0">
                 <a:latin typeface="Work Sans" pitchFamily="2" charset="0"/>
               </a:rPr>
-              <a:t>FAVOR functional scores are divided into </a:t>
-            </a:r>
-            <a:r>
-              <a:rPr lang="en-US" sz="2800" b="1" dirty="0">
-                <a:latin typeface="Work Sans" pitchFamily="2" charset="0"/>
-              </a:rPr>
-              <a:t>17 groups</a:t>
-            </a:r>
-            <a:r>
-              <a:rPr lang="en-US" sz="2800" dirty="0">
-                <a:latin typeface="Work Sans" pitchFamily="2" charset="0"/>
-              </a:rPr>
-              <a:t>, along with </a:t>
-            </a:r>
-            <a:r>
-              <a:rPr lang="en-US" sz="2800" b="1" dirty="0">
-                <a:latin typeface="Work Sans" pitchFamily="2" charset="0"/>
-              </a:rPr>
-              <a:t>annotation Principal Components (</a:t>
-            </a:r>
-            <a:r>
-              <a:rPr lang="en-US" sz="2800" b="1" dirty="0" err="1">
+              <a:t>These relationships demonstrate the critical importance of variant quality filtering when using annotation weights in association testing. </a:t>
+            </a:r>
+          </a:p>
+        </p:txBody>
+      </p:sp>
+      <p:sp>
+        <p:nvSpPr>
+          <p:cNvPr id="24" name="Rectangle: Top Corners Rounded 23">
+            <a:extLst>
+              <a:ext uri="{FF2B5EF4-FFF2-40B4-BE49-F238E27FC236}">
+                <a16:creationId xmlns:a16="http://schemas.microsoft.com/office/drawing/2014/main" id="{F3BA2362-A608-EE9D-8D66-358F37E9C21B}"/>
+              </a:ext>
+            </a:extLst>
+          </p:cNvPr>
+          <p:cNvSpPr/>
+          <p:nvPr/>
+        </p:nvSpPr>
+        <p:spPr>
+          <a:xfrm>
+            <a:off x="10946430" y="6036076"/>
+            <a:ext cx="9243396" cy="926058"/>
+          </a:xfrm>
+          <a:prstGeom prst="round2SameRect">
+            <a:avLst/>
+          </a:prstGeom>
+          <a:solidFill>
+            <a:srgbClr val="74A9CF"/>
+          </a:solidFill>
+          <a:ln>
+            <a:solidFill>
+              <a:schemeClr val="tx1"/>
+            </a:solidFill>
+          </a:ln>
+        </p:spPr>
+        <p:style>
+          <a:lnRef idx="2">
+            <a:schemeClr val="accent1">
+              <a:shade val="15000"/>
+            </a:schemeClr>
+          </a:lnRef>
+          <a:fillRef idx="1">
+            <a:schemeClr val="accent1"/>
+          </a:fillRef>
+          <a:effectRef idx="0">
+            <a:schemeClr val="accent1"/>
+          </a:effectRef>
+          <a:fontRef idx="minor">
+            <a:schemeClr val="lt1"/>
+          </a:fontRef>
+        </p:style>
+        <p:txBody>
+          <a:bodyPr rtlCol="0" anchor="ctr"/>
+          <a:lstStyle/>
+          <a:p>
+            <a:pPr algn="ctr"/>
+            <a:r>
+              <a:rPr lang="en-US" sz="4800" b="1" dirty="0">
+                <a:solidFill>
+                  <a:schemeClr val="tx1"/>
+                </a:solidFill>
+                <a:latin typeface="Work Sans" pitchFamily="2" charset="0"/>
+              </a:rPr>
+              <a:t>FAVOR annotations</a:t>
+            </a:r>
+          </a:p>
+        </p:txBody>
+      </p:sp>
+      <p:sp>
+        <p:nvSpPr>
+          <p:cNvPr id="25" name="TextBox 24">
+            <a:extLst>
+              <a:ext uri="{FF2B5EF4-FFF2-40B4-BE49-F238E27FC236}">
+                <a16:creationId xmlns:a16="http://schemas.microsoft.com/office/drawing/2014/main" id="{D2AAA6B1-2DAC-255E-438F-EAA244D4FF48}"/>
+              </a:ext>
+            </a:extLst>
+          </p:cNvPr>
+          <p:cNvSpPr txBox="1"/>
+          <p:nvPr/>
+        </p:nvSpPr>
+        <p:spPr>
+          <a:xfrm>
+            <a:off x="20646329" y="6962133"/>
+            <a:ext cx="9243396" cy="3693319"/>
+          </a:xfrm>
+          <a:prstGeom prst="rect">
+            <a:avLst/>
+          </a:prstGeom>
+          <a:noFill/>
+          <a:ln>
+            <a:solidFill>
+              <a:schemeClr val="tx1">
+                <a:lumMod val="50000"/>
+                <a:lumOff val="50000"/>
+              </a:schemeClr>
+            </a:solidFill>
+          </a:ln>
+        </p:spPr>
+        <p:txBody>
+          <a:bodyPr wrap="square" rtlCol="0">
+            <a:spAutoFit/>
+          </a:bodyPr>
+          <a:lstStyle/>
+          <a:p>
+            <a:pPr marL="457200" indent="-457200">
+              <a:buFont typeface="Arial" panose="020B0604020202020204" pitchFamily="34" charset="0"/>
+              <a:buChar char="•"/>
+            </a:pPr>
+            <a:r>
+              <a:rPr lang="en-US" sz="2600" dirty="0">
+                <a:latin typeface="Work Sans" pitchFamily="2" charset="0"/>
+              </a:rPr>
+              <a:t>Approaches for statistical analysis of rare variants </a:t>
+            </a:r>
+            <a:r>
+              <a:rPr lang="en-US" sz="2600" b="1" dirty="0">
+                <a:latin typeface="Work Sans" pitchFamily="2" charset="0"/>
+              </a:rPr>
+              <a:t>increasingly rely on functional annotations</a:t>
+            </a:r>
+            <a:r>
+              <a:rPr lang="en-US" sz="2600" dirty="0">
+                <a:latin typeface="Work Sans" pitchFamily="2" charset="0"/>
+              </a:rPr>
+              <a:t> to weight association test statistics and increase statistical power.</a:t>
+            </a:r>
+          </a:p>
+          <a:p>
+            <a:pPr marL="457200" indent="-457200">
+              <a:buFont typeface="Arial" panose="020B0604020202020204" pitchFamily="34" charset="0"/>
+              <a:buChar char="•"/>
+            </a:pPr>
+            <a:r>
+              <a:rPr lang="en-US" sz="2600" dirty="0">
+                <a:latin typeface="Work Sans" pitchFamily="2" charset="0"/>
+              </a:rPr>
+              <a:t>However, the </a:t>
+            </a:r>
+            <a:r>
+              <a:rPr lang="en-US" sz="2600" b="1" dirty="0">
+                <a:latin typeface="Work Sans" pitchFamily="2" charset="0"/>
+              </a:rPr>
+              <a:t>impact of variant quality</a:t>
+            </a:r>
+            <a:r>
+              <a:rPr lang="en-US" sz="2600" dirty="0">
+                <a:latin typeface="Work Sans" pitchFamily="2" charset="0"/>
+              </a:rPr>
+              <a:t> on these tests is largely unexplored.</a:t>
+            </a:r>
+          </a:p>
+          <a:p>
+            <a:pPr marL="457200" indent="-457200">
+              <a:buFont typeface="Arial" panose="020B0604020202020204" pitchFamily="34" charset="0"/>
+              <a:buChar char="•"/>
+            </a:pPr>
+            <a:r>
+              <a:rPr lang="en-US" sz="2600" dirty="0">
+                <a:latin typeface="Work Sans" pitchFamily="2" charset="0"/>
+              </a:rPr>
+              <a:t>We performed </a:t>
+            </a:r>
+            <a:r>
+              <a:rPr lang="en-US" sz="2600" b="1" dirty="0">
+                <a:latin typeface="Work Sans" pitchFamily="2" charset="0"/>
+              </a:rPr>
+              <a:t>logistic regression analyses </a:t>
+            </a:r>
+            <a:r>
+              <a:rPr lang="en-US" sz="2600" dirty="0">
+                <a:latin typeface="Work Sans" pitchFamily="2" charset="0"/>
+              </a:rPr>
+              <a:t>on chromosomes </a:t>
+            </a:r>
+            <a:r>
+              <a:rPr lang="en-US" sz="2600" b="1" dirty="0">
+                <a:latin typeface="Work Sans" pitchFamily="2" charset="0"/>
+              </a:rPr>
+              <a:t>21 and 22 </a:t>
+            </a:r>
+            <a:r>
+              <a:rPr lang="en-US" sz="2600" dirty="0">
+                <a:latin typeface="Work Sans" pitchFamily="2" charset="0"/>
+              </a:rPr>
+              <a:t>of the R4 dataset, with group </a:t>
+            </a:r>
+            <a:r>
+              <a:rPr lang="en-US" sz="2600" b="1" dirty="0" err="1">
                 <a:latin typeface="Work Sans" pitchFamily="2" charset="0"/>
               </a:rPr>
               <a:t>aPCs</a:t>
             </a:r>
             <a:r>
-              <a:rPr lang="en-US" sz="2800" b="1" dirty="0">
-                <a:latin typeface="Work Sans" pitchFamily="2" charset="0"/>
-              </a:rPr>
-              <a:t>)</a:t>
-            </a:r>
-            <a:r>
-              <a:rPr lang="en-US" sz="2800" dirty="0">
-                <a:latin typeface="Work Sans" pitchFamily="2" charset="0"/>
-              </a:rPr>
-              <a:t>, which are the first variant-specific PC calculated from each standardized individual annotation score within these 17 groups</a:t>
-            </a:r>
-            <a:r>
-              <a:rPr lang="en-US" sz="2800" b="1" dirty="0">
-                <a:latin typeface="Work Sans" pitchFamily="2" charset="0"/>
-              </a:rPr>
-              <a:t>.  </a:t>
-            </a:r>
-            <a:endParaRPr lang="en-US" sz="2800" dirty="0">
-              <a:latin typeface="Work Sans" pitchFamily="2" charset="0"/>
-            </a:endParaRPr>
+              <a:rPr lang="en-US" sz="2600" dirty="0">
+                <a:latin typeface="Work Sans" pitchFamily="2" charset="0"/>
+              </a:rPr>
+              <a:t> as predictors, and </a:t>
+            </a:r>
+            <a:r>
+              <a:rPr lang="en-US" sz="2600" b="1" dirty="0" err="1">
+                <a:latin typeface="Work Sans" pitchFamily="2" charset="0"/>
+              </a:rPr>
+              <a:t>VFlags</a:t>
+            </a:r>
+            <a:r>
+              <a:rPr lang="en-US" sz="2600" dirty="0">
+                <a:latin typeface="Work Sans" pitchFamily="2" charset="0"/>
+              </a:rPr>
+              <a:t> as outcomes. </a:t>
+            </a:r>
+          </a:p>
+        </p:txBody>
+      </p:sp>
+      <p:sp>
+        <p:nvSpPr>
+          <p:cNvPr id="26" name="Rectangle: Top Corners Rounded 25">
+            <a:extLst>
+              <a:ext uri="{FF2B5EF4-FFF2-40B4-BE49-F238E27FC236}">
+                <a16:creationId xmlns:a16="http://schemas.microsoft.com/office/drawing/2014/main" id="{F991C418-AACF-DFAB-4684-C7164C547EB6}"/>
+              </a:ext>
+            </a:extLst>
+          </p:cNvPr>
+          <p:cNvSpPr/>
+          <p:nvPr/>
+        </p:nvSpPr>
+        <p:spPr>
+          <a:xfrm>
+            <a:off x="20631301" y="6036076"/>
+            <a:ext cx="9243396" cy="926058"/>
+          </a:xfrm>
+          <a:prstGeom prst="round2SameRect">
+            <a:avLst/>
+          </a:prstGeom>
+          <a:solidFill>
+            <a:srgbClr val="74A9CF"/>
+          </a:solidFill>
+          <a:ln>
+            <a:solidFill>
+              <a:schemeClr val="tx1"/>
+            </a:solidFill>
+          </a:ln>
+        </p:spPr>
+        <p:style>
+          <a:lnRef idx="2">
+            <a:schemeClr val="accent1">
+              <a:shade val="15000"/>
+            </a:schemeClr>
+          </a:lnRef>
+          <a:fillRef idx="1">
+            <a:schemeClr val="accent1"/>
+          </a:fillRef>
+          <a:effectRef idx="0">
+            <a:schemeClr val="accent1"/>
+          </a:effectRef>
+          <a:fontRef idx="minor">
+            <a:schemeClr val="lt1"/>
+          </a:fontRef>
+        </p:style>
+        <p:txBody>
+          <a:bodyPr rtlCol="0" anchor="ctr"/>
+          <a:lstStyle/>
+          <a:p>
+            <a:pPr algn="ctr"/>
+            <a:r>
+              <a:rPr lang="en-US" sz="4800" b="1" dirty="0">
+                <a:solidFill>
+                  <a:schemeClr val="tx1"/>
+                </a:solidFill>
+                <a:latin typeface="Work Sans" pitchFamily="2" charset="0"/>
+              </a:rPr>
+              <a:t>Annotations and QC metrics</a:t>
+            </a:r>
           </a:p>
         </p:txBody>
       </p:sp>
